--- a/test.pptx
+++ b/test.pptx
@@ -6,6 +6,7 @@
   </p:sldMasterIdLst>
   <p:sldIdLst>
     <p:sldId id="256" r:id="rId7"/>
+    <p:sldId id="257" r:id="rId8"/>
   </p:sldIdLst>
   <p:sldSz cx="9144000" cy="6858000" type="screen4x3"/>
   <p:notesSz cx="6858000" cy="9144000"/>
@@ -3102,26 +3103,804 @@
         <p:txBody>
           <a:bodyPr/>
           <a:lstStyle/>
+          <a:p>
+            <a:r>
+              <a:t>давление</a:t>
+            </a:r>
+          </a:p>
+        </p:txBody>
+      </p:sp>
+      <p:sp>
+        <p:nvSpPr>
+          <p:cNvPr id="3" name="TextBox 2"/>
+          <p:cNvSpPr txBox="1"/>
+          <p:nvPr/>
+        </p:nvSpPr>
+        <p:spPr>
+          <a:xfrm>
+            <a:off x="381000" y="323850"/>
+            <a:ext cx="292100" cy="285750"/>
+          </a:xfrm>
+          <a:prstGeom prst="rect">
+            <a:avLst/>
+          </a:prstGeom>
+          <a:noFill/>
+        </p:spPr>
+        <p:txBody>
+          <a:bodyPr wrap="none" vert="vert">
+            <a:spAutoFit/>
+          </a:bodyPr>
+          <a:lstStyle/>
           <a:p/>
-        </p:txBody>
-      </p:sp>
-      <p:sp>
-        <p:nvSpPr>
-          <p:cNvPr id="3" name="Content Placeholder 2"/>
-          <p:cNvSpPr>
-            <a:spLocks noGrp="1"/>
-          </p:cNvSpPr>
-          <p:nvPr>
-            <p:ph idx="1"/>
+          <a:p>
+            <a:r>
+              <a:t>сетка 1</a:t>
+            </a:r>
+          </a:p>
+        </p:txBody>
+      </p:sp>
+      <p:sp>
+        <p:nvSpPr>
+          <p:cNvPr id="4" name="TextBox 3"/>
+          <p:cNvSpPr txBox="1"/>
+          <p:nvPr/>
+        </p:nvSpPr>
+        <p:spPr>
+          <a:xfrm>
+            <a:off x="152400" y="133350"/>
+            <a:ext cx="38100" cy="31750"/>
+          </a:xfrm>
+          <a:prstGeom prst="rect">
+            <a:avLst/>
+          </a:prstGeom>
+          <a:noFill/>
+        </p:spPr>
+        <p:txBody>
+          <a:bodyPr wrap="none">
+            <a:spAutoFit/>
+          </a:bodyPr>
+          <a:lstStyle/>
+          <a:p/>
+          <a:p>
+            <a:r>
+              <a:t>q1</a:t>
+            </a:r>
+          </a:p>
+        </p:txBody>
+      </p:sp>
+      <p:pic>
+        <p:nvPicPr>
+          <p:cNvPr id="5" name="Picture 4" descr="Pn_field_x=2.png"/>
+          <p:cNvPicPr>
+            <a:picLocks noChangeAspect="1"/>
+          </p:cNvPicPr>
+          <p:nvPr/>
+        </p:nvPicPr>
+        <p:blipFill>
+          <a:blip r:embed="rId2"/>
+          <a:stretch>
+            <a:fillRect/>
+          </a:stretch>
+        </p:blipFill>
+        <p:spPr>
+          <a:xfrm>
+            <a:off x="4572000" y="5943600"/>
+            <a:ext cx="3810000" cy="3238500"/>
+          </a:xfrm>
+          <a:prstGeom prst="rect">
+            <a:avLst/>
+          </a:prstGeom>
+        </p:spPr>
+      </p:pic>
+      <p:sp>
+        <p:nvSpPr>
+          <p:cNvPr id="6" name="TextBox 5"/>
+          <p:cNvSpPr txBox="1"/>
+          <p:nvPr/>
+        </p:nvSpPr>
+        <p:spPr>
+          <a:xfrm>
+            <a:off x="152400" y="133350"/>
+            <a:ext cx="38100" cy="31750"/>
+          </a:xfrm>
+          <a:prstGeom prst="rect">
+            <a:avLst/>
+          </a:prstGeom>
+          <a:noFill/>
+        </p:spPr>
+        <p:txBody>
+          <a:bodyPr wrap="none">
+            <a:spAutoFit/>
+          </a:bodyPr>
+          <a:lstStyle/>
+          <a:p/>
+          <a:p>
+            <a:r>
+              <a:t>q2</a:t>
+            </a:r>
+          </a:p>
+        </p:txBody>
+      </p:sp>
+      <p:pic>
+        <p:nvPicPr>
+          <p:cNvPr id="7" name="Picture 6" descr="Pn_field_x=3.png"/>
+          <p:cNvPicPr>
+            <a:picLocks noChangeAspect="1"/>
+          </p:cNvPicPr>
+          <p:nvPr/>
+        </p:nvPicPr>
+        <p:blipFill>
+          <a:blip r:embed="rId3"/>
+          <a:stretch>
+            <a:fillRect/>
+          </a:stretch>
+        </p:blipFill>
+        <p:spPr>
+          <a:xfrm>
+            <a:off x="4572000" y="5943600"/>
+            <a:ext cx="3810000" cy="3238500"/>
+          </a:xfrm>
+          <a:prstGeom prst="rect">
+            <a:avLst/>
+          </a:prstGeom>
+        </p:spPr>
+      </p:pic>
+      <p:sp>
+        <p:nvSpPr>
+          <p:cNvPr id="8" name="TextBox 7"/>
+          <p:cNvSpPr txBox="1"/>
+          <p:nvPr/>
+        </p:nvSpPr>
+        <p:spPr>
+          <a:xfrm>
+            <a:off x="152400" y="133350"/>
+            <a:ext cx="38100" cy="31750"/>
+          </a:xfrm>
+          <a:prstGeom prst="rect">
+            <a:avLst/>
+          </a:prstGeom>
+          <a:noFill/>
+        </p:spPr>
+        <p:txBody>
+          <a:bodyPr wrap="none">
+            <a:spAutoFit/>
+          </a:bodyPr>
+          <a:lstStyle/>
+          <a:p/>
+          <a:p>
+            <a:r>
+              <a:t>q3</a:t>
+            </a:r>
+          </a:p>
+        </p:txBody>
+      </p:sp>
+      <p:pic>
+        <p:nvPicPr>
+          <p:cNvPr id="9" name="Picture 8" descr="Pn_field_x=4.png"/>
+          <p:cNvPicPr>
+            <a:picLocks noChangeAspect="1"/>
+          </p:cNvPicPr>
+          <p:nvPr/>
+        </p:nvPicPr>
+        <p:blipFill>
+          <a:blip r:embed="rId4"/>
+          <a:stretch>
+            <a:fillRect/>
+          </a:stretch>
+        </p:blipFill>
+        <p:spPr>
+          <a:xfrm>
+            <a:off x="4572000" y="5943600"/>
+            <a:ext cx="3810000" cy="3238500"/>
+          </a:xfrm>
+          <a:prstGeom prst="rect">
+            <a:avLst/>
+          </a:prstGeom>
+        </p:spPr>
+      </p:pic>
+      <p:sp>
+        <p:nvSpPr>
+          <p:cNvPr id="10" name="TextBox 9"/>
+          <p:cNvSpPr txBox="1"/>
+          <p:nvPr/>
+        </p:nvSpPr>
+        <p:spPr>
+          <a:xfrm>
+            <a:off x="381000" y="323850"/>
+            <a:ext cx="292100" cy="285750"/>
+          </a:xfrm>
+          <a:prstGeom prst="rect">
+            <a:avLst/>
+          </a:prstGeom>
+          <a:noFill/>
+        </p:spPr>
+        <p:txBody>
+          <a:bodyPr wrap="none" vert="vert">
+            <a:spAutoFit/>
+          </a:bodyPr>
+          <a:lstStyle/>
+          <a:p/>
+          <a:p>
+            <a:r>
+              <a:t>сетка 2</a:t>
+            </a:r>
+          </a:p>
+        </p:txBody>
+      </p:sp>
+      <p:sp>
+        <p:nvSpPr>
+          <p:cNvPr id="11" name="TextBox 10"/>
+          <p:cNvSpPr txBox="1"/>
+          <p:nvPr/>
+        </p:nvSpPr>
+        <p:spPr>
+          <a:xfrm>
+            <a:off x="152400" y="133350"/>
+            <a:ext cx="38100" cy="31750"/>
+          </a:xfrm>
+          <a:prstGeom prst="rect">
+            <a:avLst/>
+          </a:prstGeom>
+          <a:noFill/>
+        </p:spPr>
+        <p:txBody>
+          <a:bodyPr wrap="none">
+            <a:spAutoFit/>
+          </a:bodyPr>
+          <a:lstStyle/>
+          <a:p/>
+          <a:p>
+            <a:r>
+              <a:t>q1</a:t>
+            </a:r>
+          </a:p>
+        </p:txBody>
+      </p:sp>
+      <p:pic>
+        <p:nvPicPr>
+          <p:cNvPr id="12" name="Picture 11" descr="Pn_field_x=2.png"/>
+          <p:cNvPicPr>
+            <a:picLocks noChangeAspect="1"/>
+          </p:cNvPicPr>
+          <p:nvPr/>
+        </p:nvPicPr>
+        <p:blipFill>
+          <a:blip r:embed="rId5"/>
+          <a:stretch>
+            <a:fillRect/>
+          </a:stretch>
+        </p:blipFill>
+        <p:spPr>
+          <a:xfrm>
+            <a:off x="4572000" y="5943600"/>
+            <a:ext cx="3810000" cy="3238500"/>
+          </a:xfrm>
+          <a:prstGeom prst="rect">
+            <a:avLst/>
+          </a:prstGeom>
+        </p:spPr>
+      </p:pic>
+      <p:sp>
+        <p:nvSpPr>
+          <p:cNvPr id="13" name="TextBox 12"/>
+          <p:cNvSpPr txBox="1"/>
+          <p:nvPr/>
+        </p:nvSpPr>
+        <p:spPr>
+          <a:xfrm>
+            <a:off x="152400" y="133350"/>
+            <a:ext cx="38100" cy="31750"/>
+          </a:xfrm>
+          <a:prstGeom prst="rect">
+            <a:avLst/>
+          </a:prstGeom>
+          <a:noFill/>
+        </p:spPr>
+        <p:txBody>
+          <a:bodyPr wrap="none">
+            <a:spAutoFit/>
+          </a:bodyPr>
+          <a:lstStyle/>
+          <a:p/>
+          <a:p>
+            <a:r>
+              <a:t>q2</a:t>
+            </a:r>
+          </a:p>
+        </p:txBody>
+      </p:sp>
+      <p:pic>
+        <p:nvPicPr>
+          <p:cNvPr id="14" name="Picture 13" descr="Pn_field_x=3.png"/>
+          <p:cNvPicPr>
+            <a:picLocks noChangeAspect="1"/>
+          </p:cNvPicPr>
+          <p:nvPr/>
+        </p:nvPicPr>
+        <p:blipFill>
+          <a:blip r:embed="rId6"/>
+          <a:stretch>
+            <a:fillRect/>
+          </a:stretch>
+        </p:blipFill>
+        <p:spPr>
+          <a:xfrm>
+            <a:off x="4572000" y="5943600"/>
+            <a:ext cx="3810000" cy="3238500"/>
+          </a:xfrm>
+          <a:prstGeom prst="rect">
+            <a:avLst/>
+          </a:prstGeom>
+        </p:spPr>
+      </p:pic>
+      <p:sp>
+        <p:nvSpPr>
+          <p:cNvPr id="15" name="TextBox 14"/>
+          <p:cNvSpPr txBox="1"/>
+          <p:nvPr/>
+        </p:nvSpPr>
+        <p:spPr>
+          <a:xfrm>
+            <a:off x="152400" y="133350"/>
+            <a:ext cx="38100" cy="31750"/>
+          </a:xfrm>
+          <a:prstGeom prst="rect">
+            <a:avLst/>
+          </a:prstGeom>
+          <a:noFill/>
+        </p:spPr>
+        <p:txBody>
+          <a:bodyPr wrap="none">
+            <a:spAutoFit/>
+          </a:bodyPr>
+          <a:lstStyle/>
+          <a:p/>
+          <a:p>
+            <a:r>
+              <a:t>q3</a:t>
+            </a:r>
+          </a:p>
+        </p:txBody>
+      </p:sp>
+      <p:pic>
+        <p:nvPicPr>
+          <p:cNvPr id="16" name="Picture 15" descr="Pn_field_x=4.png"/>
+          <p:cNvPicPr>
+            <a:picLocks noChangeAspect="1"/>
+          </p:cNvPicPr>
+          <p:nvPr/>
+        </p:nvPicPr>
+        <p:blipFill>
+          <a:blip r:embed="rId7"/>
+          <a:stretch>
+            <a:fillRect/>
+          </a:stretch>
+        </p:blipFill>
+        <p:spPr>
+          <a:xfrm>
+            <a:off x="4572000" y="5943600"/>
+            <a:ext cx="3810000" cy="3238500"/>
+          </a:xfrm>
+          <a:prstGeom prst="rect">
+            <a:avLst/>
+          </a:prstGeom>
+        </p:spPr>
+      </p:pic>
+    </p:spTree>
+  </p:cSld>
+  <p:clrMapOvr>
+    <a:masterClrMapping/>
+  </p:clrMapOvr>
+</p:sld>
+</file>
+
+<file path=ppt/slides/slide2.xml><?xml version="1.0" encoding="utf-8"?>
+<p:sld xmlns:a="http://schemas.openxmlformats.org/drawingml/2006/main" xmlns:p="http://schemas.openxmlformats.org/presentationml/2006/main" xmlns:r="http://schemas.openxmlformats.org/officeDocument/2006/relationships">
+  <p:cSld>
+    <p:spTree>
+      <p:nvGrpSpPr>
+        <p:cNvPr id="1" name=""/>
+        <p:cNvGrpSpPr/>
+        <p:nvPr/>
+      </p:nvGrpSpPr>
+      <p:grpSpPr/>
+      <p:sp>
+        <p:nvSpPr>
+          <p:cNvPr id="2" name="Title 1"/>
+          <p:cNvSpPr>
+            <a:spLocks noGrp="1"/>
+          </p:cNvSpPr>
+          <p:nvPr>
+            <p:ph type="title"/>
           </p:nvPr>
         </p:nvSpPr>
         <p:spPr/>
         <p:txBody>
           <a:bodyPr/>
           <a:lstStyle/>
+          <a:p>
+            <a:r>
+              <a:t>скорость</a:t>
+            </a:r>
+          </a:p>
+        </p:txBody>
+      </p:sp>
+      <p:sp>
+        <p:nvSpPr>
+          <p:cNvPr id="3" name="TextBox 2"/>
+          <p:cNvSpPr txBox="1"/>
+          <p:nvPr/>
+        </p:nvSpPr>
+        <p:spPr>
+          <a:xfrm>
+            <a:off x="381000" y="323850"/>
+            <a:ext cx="292100" cy="285750"/>
+          </a:xfrm>
+          <a:prstGeom prst="rect">
+            <a:avLst/>
+          </a:prstGeom>
+          <a:noFill/>
+        </p:spPr>
+        <p:txBody>
+          <a:bodyPr wrap="none" vert="vert">
+            <a:spAutoFit/>
+          </a:bodyPr>
+          <a:lstStyle/>
           <a:p/>
-        </p:txBody>
-      </p:sp>
+          <a:p>
+            <a:r>
+              <a:t>сетка 1</a:t>
+            </a:r>
+          </a:p>
+        </p:txBody>
+      </p:sp>
+      <p:sp>
+        <p:nvSpPr>
+          <p:cNvPr id="4" name="TextBox 3"/>
+          <p:cNvSpPr txBox="1"/>
+          <p:nvPr/>
+        </p:nvSpPr>
+        <p:spPr>
+          <a:xfrm>
+            <a:off x="152400" y="133350"/>
+            <a:ext cx="38100" cy="31750"/>
+          </a:xfrm>
+          <a:prstGeom prst="rect">
+            <a:avLst/>
+          </a:prstGeom>
+          <a:noFill/>
+        </p:spPr>
+        <p:txBody>
+          <a:bodyPr wrap="none">
+            <a:spAutoFit/>
+          </a:bodyPr>
+          <a:lstStyle/>
+          <a:p/>
+          <a:p>
+            <a:r>
+              <a:t>q1</a:t>
+            </a:r>
+          </a:p>
+        </p:txBody>
+      </p:sp>
+      <p:pic>
+        <p:nvPicPr>
+          <p:cNvPr id="5" name="Picture 4" descr="V_Uj_field_x=2.png"/>
+          <p:cNvPicPr>
+            <a:picLocks noChangeAspect="1"/>
+          </p:cNvPicPr>
+          <p:nvPr/>
+        </p:nvPicPr>
+        <p:blipFill>
+          <a:blip r:embed="rId2"/>
+          <a:stretch>
+            <a:fillRect/>
+          </a:stretch>
+        </p:blipFill>
+        <p:spPr>
+          <a:xfrm>
+            <a:off x="4572000" y="5943600"/>
+            <a:ext cx="3810000" cy="3238500"/>
+          </a:xfrm>
+          <a:prstGeom prst="rect">
+            <a:avLst/>
+          </a:prstGeom>
+        </p:spPr>
+      </p:pic>
+      <p:sp>
+        <p:nvSpPr>
+          <p:cNvPr id="6" name="TextBox 5"/>
+          <p:cNvSpPr txBox="1"/>
+          <p:nvPr/>
+        </p:nvSpPr>
+        <p:spPr>
+          <a:xfrm>
+            <a:off x="152400" y="133350"/>
+            <a:ext cx="38100" cy="31750"/>
+          </a:xfrm>
+          <a:prstGeom prst="rect">
+            <a:avLst/>
+          </a:prstGeom>
+          <a:noFill/>
+        </p:spPr>
+        <p:txBody>
+          <a:bodyPr wrap="none">
+            <a:spAutoFit/>
+          </a:bodyPr>
+          <a:lstStyle/>
+          <a:p/>
+          <a:p>
+            <a:r>
+              <a:t>q2</a:t>
+            </a:r>
+          </a:p>
+        </p:txBody>
+      </p:sp>
+      <p:pic>
+        <p:nvPicPr>
+          <p:cNvPr id="7" name="Picture 6" descr="V_Uj_field_x=3.png"/>
+          <p:cNvPicPr>
+            <a:picLocks noChangeAspect="1"/>
+          </p:cNvPicPr>
+          <p:nvPr/>
+        </p:nvPicPr>
+        <p:blipFill>
+          <a:blip r:embed="rId3"/>
+          <a:stretch>
+            <a:fillRect/>
+          </a:stretch>
+        </p:blipFill>
+        <p:spPr>
+          <a:xfrm>
+            <a:off x="4572000" y="5943600"/>
+            <a:ext cx="3810000" cy="3238500"/>
+          </a:xfrm>
+          <a:prstGeom prst="rect">
+            <a:avLst/>
+          </a:prstGeom>
+        </p:spPr>
+      </p:pic>
+      <p:sp>
+        <p:nvSpPr>
+          <p:cNvPr id="8" name="TextBox 7"/>
+          <p:cNvSpPr txBox="1"/>
+          <p:nvPr/>
+        </p:nvSpPr>
+        <p:spPr>
+          <a:xfrm>
+            <a:off x="152400" y="133350"/>
+            <a:ext cx="38100" cy="31750"/>
+          </a:xfrm>
+          <a:prstGeom prst="rect">
+            <a:avLst/>
+          </a:prstGeom>
+          <a:noFill/>
+        </p:spPr>
+        <p:txBody>
+          <a:bodyPr wrap="none">
+            <a:spAutoFit/>
+          </a:bodyPr>
+          <a:lstStyle/>
+          <a:p/>
+          <a:p>
+            <a:r>
+              <a:t>q3</a:t>
+            </a:r>
+          </a:p>
+        </p:txBody>
+      </p:sp>
+      <p:pic>
+        <p:nvPicPr>
+          <p:cNvPr id="9" name="Picture 8" descr="V_Uj_field_x=4.png"/>
+          <p:cNvPicPr>
+            <a:picLocks noChangeAspect="1"/>
+          </p:cNvPicPr>
+          <p:nvPr/>
+        </p:nvPicPr>
+        <p:blipFill>
+          <a:blip r:embed="rId4"/>
+          <a:stretch>
+            <a:fillRect/>
+          </a:stretch>
+        </p:blipFill>
+        <p:spPr>
+          <a:xfrm>
+            <a:off x="4572000" y="5943600"/>
+            <a:ext cx="3810000" cy="3238500"/>
+          </a:xfrm>
+          <a:prstGeom prst="rect">
+            <a:avLst/>
+          </a:prstGeom>
+        </p:spPr>
+      </p:pic>
+      <p:sp>
+        <p:nvSpPr>
+          <p:cNvPr id="10" name="TextBox 9"/>
+          <p:cNvSpPr txBox="1"/>
+          <p:nvPr/>
+        </p:nvSpPr>
+        <p:spPr>
+          <a:xfrm>
+            <a:off x="381000" y="323850"/>
+            <a:ext cx="292100" cy="285750"/>
+          </a:xfrm>
+          <a:prstGeom prst="rect">
+            <a:avLst/>
+          </a:prstGeom>
+          <a:noFill/>
+        </p:spPr>
+        <p:txBody>
+          <a:bodyPr wrap="none" vert="vert">
+            <a:spAutoFit/>
+          </a:bodyPr>
+          <a:lstStyle/>
+          <a:p/>
+          <a:p>
+            <a:r>
+              <a:t>сетка 2</a:t>
+            </a:r>
+          </a:p>
+        </p:txBody>
+      </p:sp>
+      <p:sp>
+        <p:nvSpPr>
+          <p:cNvPr id="11" name="TextBox 10"/>
+          <p:cNvSpPr txBox="1"/>
+          <p:nvPr/>
+        </p:nvSpPr>
+        <p:spPr>
+          <a:xfrm>
+            <a:off x="152400" y="133350"/>
+            <a:ext cx="38100" cy="31750"/>
+          </a:xfrm>
+          <a:prstGeom prst="rect">
+            <a:avLst/>
+          </a:prstGeom>
+          <a:noFill/>
+        </p:spPr>
+        <p:txBody>
+          <a:bodyPr wrap="none">
+            <a:spAutoFit/>
+          </a:bodyPr>
+          <a:lstStyle/>
+          <a:p/>
+          <a:p>
+            <a:r>
+              <a:t>q1</a:t>
+            </a:r>
+          </a:p>
+        </p:txBody>
+      </p:sp>
+      <p:pic>
+        <p:nvPicPr>
+          <p:cNvPr id="12" name="Picture 11" descr="V_Uj_field_x=2.png"/>
+          <p:cNvPicPr>
+            <a:picLocks noChangeAspect="1"/>
+          </p:cNvPicPr>
+          <p:nvPr/>
+        </p:nvPicPr>
+        <p:blipFill>
+          <a:blip r:embed="rId5"/>
+          <a:stretch>
+            <a:fillRect/>
+          </a:stretch>
+        </p:blipFill>
+        <p:spPr>
+          <a:xfrm>
+            <a:off x="4572000" y="5943600"/>
+            <a:ext cx="3810000" cy="3238500"/>
+          </a:xfrm>
+          <a:prstGeom prst="rect">
+            <a:avLst/>
+          </a:prstGeom>
+        </p:spPr>
+      </p:pic>
+      <p:sp>
+        <p:nvSpPr>
+          <p:cNvPr id="13" name="TextBox 12"/>
+          <p:cNvSpPr txBox="1"/>
+          <p:nvPr/>
+        </p:nvSpPr>
+        <p:spPr>
+          <a:xfrm>
+            <a:off x="152400" y="133350"/>
+            <a:ext cx="38100" cy="31750"/>
+          </a:xfrm>
+          <a:prstGeom prst="rect">
+            <a:avLst/>
+          </a:prstGeom>
+          <a:noFill/>
+        </p:spPr>
+        <p:txBody>
+          <a:bodyPr wrap="none">
+            <a:spAutoFit/>
+          </a:bodyPr>
+          <a:lstStyle/>
+          <a:p/>
+          <a:p>
+            <a:r>
+              <a:t>q2</a:t>
+            </a:r>
+          </a:p>
+        </p:txBody>
+      </p:sp>
+      <p:pic>
+        <p:nvPicPr>
+          <p:cNvPr id="14" name="Picture 13" descr="V_Uj_field_x=3.png"/>
+          <p:cNvPicPr>
+            <a:picLocks noChangeAspect="1"/>
+          </p:cNvPicPr>
+          <p:nvPr/>
+        </p:nvPicPr>
+        <p:blipFill>
+          <a:blip r:embed="rId6"/>
+          <a:stretch>
+            <a:fillRect/>
+          </a:stretch>
+        </p:blipFill>
+        <p:spPr>
+          <a:xfrm>
+            <a:off x="4572000" y="5943600"/>
+            <a:ext cx="3810000" cy="3238500"/>
+          </a:xfrm>
+          <a:prstGeom prst="rect">
+            <a:avLst/>
+          </a:prstGeom>
+        </p:spPr>
+      </p:pic>
+      <p:sp>
+        <p:nvSpPr>
+          <p:cNvPr id="15" name="TextBox 14"/>
+          <p:cNvSpPr txBox="1"/>
+          <p:nvPr/>
+        </p:nvSpPr>
+        <p:spPr>
+          <a:xfrm>
+            <a:off x="152400" y="133350"/>
+            <a:ext cx="38100" cy="31750"/>
+          </a:xfrm>
+          <a:prstGeom prst="rect">
+            <a:avLst/>
+          </a:prstGeom>
+          <a:noFill/>
+        </p:spPr>
+        <p:txBody>
+          <a:bodyPr wrap="none">
+            <a:spAutoFit/>
+          </a:bodyPr>
+          <a:lstStyle/>
+          <a:p/>
+          <a:p>
+            <a:r>
+              <a:t>q3</a:t>
+            </a:r>
+          </a:p>
+        </p:txBody>
+      </p:sp>
+      <p:pic>
+        <p:nvPicPr>
+          <p:cNvPr id="16" name="Picture 15" descr="V_Uj_field_x=4.png"/>
+          <p:cNvPicPr>
+            <a:picLocks noChangeAspect="1"/>
+          </p:cNvPicPr>
+          <p:nvPr/>
+        </p:nvPicPr>
+        <p:blipFill>
+          <a:blip r:embed="rId7"/>
+          <a:stretch>
+            <a:fillRect/>
+          </a:stretch>
+        </p:blipFill>
+        <p:spPr>
+          <a:xfrm>
+            <a:off x="4572000" y="5943600"/>
+            <a:ext cx="3810000" cy="3238500"/>
+          </a:xfrm>
+          <a:prstGeom prst="rect">
+            <a:avLst/>
+          </a:prstGeom>
+        </p:spPr>
+      </p:pic>
     </p:spTree>
   </p:cSld>
   <p:clrMapOvr>
